--- a/framework/Product Research/ProductResearchFlow.pptx
+++ b/framework/Product Research/ProductResearchFlow.pptx
@@ -106,6 +106,11 @@
       </a:defRPr>
     </a:lvl9pPr>
   </p:defaultTextStyle>
+  <p:extLst>
+    <p:ext uri="{EFAFB233-063F-42B5-8137-9DF3F51BA10A}">
+      <p15:sldGuideLst xmlns:p15="http://schemas.microsoft.com/office/powerpoint/2012/main"/>
+    </p:ext>
+  </p:extLst>
 </p:presentation>
 </file>
 
@@ -1542,6 +1547,13 @@
         </dgm:presLayoutVars>
       </dgm:prSet>
       <dgm:spPr/>
+      <dgm:t>
+        <a:bodyPr/>
+        <a:lstStyle/>
+        <a:p>
+          <a:endParaRPr lang="en-US"/>
+        </a:p>
+      </dgm:t>
     </dgm:pt>
     <dgm:pt modelId="{1D2E49F2-5C7E-4A41-B7F1-AFE7330D4554}" type="pres">
       <dgm:prSet presAssocID="{D657CE5E-1297-4614-8EF0-55EDBB3F5E36}" presName="node" presStyleLbl="node1" presStyleIdx="0" presStyleCnt="10">
@@ -1550,14 +1562,35 @@
         </dgm:presLayoutVars>
       </dgm:prSet>
       <dgm:spPr/>
+      <dgm:t>
+        <a:bodyPr/>
+        <a:lstStyle/>
+        <a:p>
+          <a:endParaRPr lang="en-US"/>
+        </a:p>
+      </dgm:t>
     </dgm:pt>
     <dgm:pt modelId="{16ABA4CC-D79D-47ED-8106-15076236C112}" type="pres">
       <dgm:prSet presAssocID="{0229F887-1902-44CE-8761-F72E10220A6E}" presName="sibTrans" presStyleLbl="sibTrans2D1" presStyleIdx="0" presStyleCnt="10"/>
       <dgm:spPr/>
+      <dgm:t>
+        <a:bodyPr/>
+        <a:lstStyle/>
+        <a:p>
+          <a:endParaRPr lang="en-US"/>
+        </a:p>
+      </dgm:t>
     </dgm:pt>
     <dgm:pt modelId="{82F4F992-1E3F-4A65-B65B-76ADF30264A2}" type="pres">
       <dgm:prSet presAssocID="{0229F887-1902-44CE-8761-F72E10220A6E}" presName="connectorText" presStyleLbl="sibTrans2D1" presStyleIdx="0" presStyleCnt="10"/>
       <dgm:spPr/>
+      <dgm:t>
+        <a:bodyPr/>
+        <a:lstStyle/>
+        <a:p>
+          <a:endParaRPr lang="en-US"/>
+        </a:p>
+      </dgm:t>
     </dgm:pt>
     <dgm:pt modelId="{2947F191-3C43-4E0C-80CA-2474BFFCF3D8}" type="pres">
       <dgm:prSet presAssocID="{4FF8C49A-9F25-4BC0-8680-ED9CF1748A03}" presName="node" presStyleLbl="node1" presStyleIdx="1" presStyleCnt="10">
@@ -1566,14 +1599,35 @@
         </dgm:presLayoutVars>
       </dgm:prSet>
       <dgm:spPr/>
+      <dgm:t>
+        <a:bodyPr/>
+        <a:lstStyle/>
+        <a:p>
+          <a:endParaRPr lang="en-US"/>
+        </a:p>
+      </dgm:t>
     </dgm:pt>
     <dgm:pt modelId="{D8F293CE-882E-4990-BB7F-65AA7E50873B}" type="pres">
       <dgm:prSet presAssocID="{1CC4BCE2-76A1-4EF3-B18F-C2244E379833}" presName="sibTrans" presStyleLbl="sibTrans2D1" presStyleIdx="1" presStyleCnt="10"/>
       <dgm:spPr/>
+      <dgm:t>
+        <a:bodyPr/>
+        <a:lstStyle/>
+        <a:p>
+          <a:endParaRPr lang="en-US"/>
+        </a:p>
+      </dgm:t>
     </dgm:pt>
     <dgm:pt modelId="{1B3D324A-4042-46B7-B47E-37C52739C328}" type="pres">
       <dgm:prSet presAssocID="{1CC4BCE2-76A1-4EF3-B18F-C2244E379833}" presName="connectorText" presStyleLbl="sibTrans2D1" presStyleIdx="1" presStyleCnt="10"/>
       <dgm:spPr/>
+      <dgm:t>
+        <a:bodyPr/>
+        <a:lstStyle/>
+        <a:p>
+          <a:endParaRPr lang="en-US"/>
+        </a:p>
+      </dgm:t>
     </dgm:pt>
     <dgm:pt modelId="{F934D764-6743-4456-AB5A-3491D0772F24}" type="pres">
       <dgm:prSet presAssocID="{63BBB4C2-A5D5-4C49-BE96-1F6A3653614B}" presName="node" presStyleLbl="node1" presStyleIdx="2" presStyleCnt="10">
@@ -1582,14 +1636,35 @@
         </dgm:presLayoutVars>
       </dgm:prSet>
       <dgm:spPr/>
+      <dgm:t>
+        <a:bodyPr/>
+        <a:lstStyle/>
+        <a:p>
+          <a:endParaRPr lang="en-US"/>
+        </a:p>
+      </dgm:t>
     </dgm:pt>
     <dgm:pt modelId="{E7314834-0341-4D43-8AC5-9EEACCD1375D}" type="pres">
       <dgm:prSet presAssocID="{E24C2443-FAC9-4E93-92BC-72665349AEFF}" presName="sibTrans" presStyleLbl="sibTrans2D1" presStyleIdx="2" presStyleCnt="10"/>
       <dgm:spPr/>
+      <dgm:t>
+        <a:bodyPr/>
+        <a:lstStyle/>
+        <a:p>
+          <a:endParaRPr lang="en-US"/>
+        </a:p>
+      </dgm:t>
     </dgm:pt>
     <dgm:pt modelId="{F9164695-D02A-4FE1-A536-01B4BECA2501}" type="pres">
       <dgm:prSet presAssocID="{E24C2443-FAC9-4E93-92BC-72665349AEFF}" presName="connectorText" presStyleLbl="sibTrans2D1" presStyleIdx="2" presStyleCnt="10"/>
       <dgm:spPr/>
+      <dgm:t>
+        <a:bodyPr/>
+        <a:lstStyle/>
+        <a:p>
+          <a:endParaRPr lang="en-US"/>
+        </a:p>
+      </dgm:t>
     </dgm:pt>
     <dgm:pt modelId="{E1AE00CC-1F4D-4AE7-A3B4-66519373870A}" type="pres">
       <dgm:prSet presAssocID="{48DADD7B-A898-4197-8016-D1BE09A07DA5}" presName="node" presStyleLbl="node1" presStyleIdx="3" presStyleCnt="10">
@@ -1598,14 +1673,35 @@
         </dgm:presLayoutVars>
       </dgm:prSet>
       <dgm:spPr/>
+      <dgm:t>
+        <a:bodyPr/>
+        <a:lstStyle/>
+        <a:p>
+          <a:endParaRPr lang="en-US"/>
+        </a:p>
+      </dgm:t>
     </dgm:pt>
     <dgm:pt modelId="{7DE92D2D-10C9-403F-8E7D-050D02D6E317}" type="pres">
       <dgm:prSet presAssocID="{B5E7BEE2-2EFE-4924-BB33-6BCBE7F14EF4}" presName="sibTrans" presStyleLbl="sibTrans2D1" presStyleIdx="3" presStyleCnt="10"/>
       <dgm:spPr/>
+      <dgm:t>
+        <a:bodyPr/>
+        <a:lstStyle/>
+        <a:p>
+          <a:endParaRPr lang="en-US"/>
+        </a:p>
+      </dgm:t>
     </dgm:pt>
     <dgm:pt modelId="{631469E0-9012-4DC8-A961-17183AAE4313}" type="pres">
       <dgm:prSet presAssocID="{B5E7BEE2-2EFE-4924-BB33-6BCBE7F14EF4}" presName="connectorText" presStyleLbl="sibTrans2D1" presStyleIdx="3" presStyleCnt="10"/>
       <dgm:spPr/>
+      <dgm:t>
+        <a:bodyPr/>
+        <a:lstStyle/>
+        <a:p>
+          <a:endParaRPr lang="en-US"/>
+        </a:p>
+      </dgm:t>
     </dgm:pt>
     <dgm:pt modelId="{B13032B6-B880-4B66-B153-4D59B07C79F2}" type="pres">
       <dgm:prSet presAssocID="{E6D6892F-9AE1-427D-80F4-0B1354D18AC2}" presName="node" presStyleLbl="node1" presStyleIdx="4" presStyleCnt="10">
@@ -1614,14 +1710,35 @@
         </dgm:presLayoutVars>
       </dgm:prSet>
       <dgm:spPr/>
+      <dgm:t>
+        <a:bodyPr/>
+        <a:lstStyle/>
+        <a:p>
+          <a:endParaRPr lang="en-US"/>
+        </a:p>
+      </dgm:t>
     </dgm:pt>
     <dgm:pt modelId="{14F71449-0B32-46B7-BE60-89834081BB7B}" type="pres">
       <dgm:prSet presAssocID="{2129D7EE-9F1D-4127-95D6-0DA50FF234E2}" presName="sibTrans" presStyleLbl="sibTrans2D1" presStyleIdx="4" presStyleCnt="10"/>
       <dgm:spPr/>
+      <dgm:t>
+        <a:bodyPr/>
+        <a:lstStyle/>
+        <a:p>
+          <a:endParaRPr lang="en-US"/>
+        </a:p>
+      </dgm:t>
     </dgm:pt>
     <dgm:pt modelId="{58133CA6-7870-435D-99DB-A1D74490F0DE}" type="pres">
       <dgm:prSet presAssocID="{2129D7EE-9F1D-4127-95D6-0DA50FF234E2}" presName="connectorText" presStyleLbl="sibTrans2D1" presStyleIdx="4" presStyleCnt="10"/>
       <dgm:spPr/>
+      <dgm:t>
+        <a:bodyPr/>
+        <a:lstStyle/>
+        <a:p>
+          <a:endParaRPr lang="en-US"/>
+        </a:p>
+      </dgm:t>
     </dgm:pt>
     <dgm:pt modelId="{4A381A04-4A56-411A-9A54-3A07E516AD79}" type="pres">
       <dgm:prSet presAssocID="{B693D842-BFCC-4906-825D-6E6EFD7FB0F1}" presName="node" presStyleLbl="node1" presStyleIdx="5" presStyleCnt="10">
@@ -1630,14 +1747,35 @@
         </dgm:presLayoutVars>
       </dgm:prSet>
       <dgm:spPr/>
+      <dgm:t>
+        <a:bodyPr/>
+        <a:lstStyle/>
+        <a:p>
+          <a:endParaRPr lang="en-US"/>
+        </a:p>
+      </dgm:t>
     </dgm:pt>
     <dgm:pt modelId="{6BF47017-3199-4D6F-A902-38BD253FE2BD}" type="pres">
       <dgm:prSet presAssocID="{05A66C5F-B7A0-4FD3-ACF6-D21468E3B083}" presName="sibTrans" presStyleLbl="sibTrans2D1" presStyleIdx="5" presStyleCnt="10"/>
       <dgm:spPr/>
+      <dgm:t>
+        <a:bodyPr/>
+        <a:lstStyle/>
+        <a:p>
+          <a:endParaRPr lang="en-US"/>
+        </a:p>
+      </dgm:t>
     </dgm:pt>
     <dgm:pt modelId="{B9748594-E383-44FE-9D14-6B85858553B6}" type="pres">
       <dgm:prSet presAssocID="{05A66C5F-B7A0-4FD3-ACF6-D21468E3B083}" presName="connectorText" presStyleLbl="sibTrans2D1" presStyleIdx="5" presStyleCnt="10"/>
       <dgm:spPr/>
+      <dgm:t>
+        <a:bodyPr/>
+        <a:lstStyle/>
+        <a:p>
+          <a:endParaRPr lang="en-US"/>
+        </a:p>
+      </dgm:t>
     </dgm:pt>
     <dgm:pt modelId="{D4915597-16E8-4BB0-A93B-9AA4BF09634A}" type="pres">
       <dgm:prSet presAssocID="{FBEF7B27-6A41-4F49-9FF7-0843C34F532C}" presName="node" presStyleLbl="node1" presStyleIdx="6" presStyleCnt="10">
@@ -1646,14 +1784,35 @@
         </dgm:presLayoutVars>
       </dgm:prSet>
       <dgm:spPr/>
+      <dgm:t>
+        <a:bodyPr/>
+        <a:lstStyle/>
+        <a:p>
+          <a:endParaRPr lang="en-US"/>
+        </a:p>
+      </dgm:t>
     </dgm:pt>
     <dgm:pt modelId="{3CDAA4F2-D23E-4CDE-AD29-940144151F98}" type="pres">
       <dgm:prSet presAssocID="{78A2CF6F-68BA-4988-9EB1-FA257C6AC8C3}" presName="sibTrans" presStyleLbl="sibTrans2D1" presStyleIdx="6" presStyleCnt="10"/>
       <dgm:spPr/>
+      <dgm:t>
+        <a:bodyPr/>
+        <a:lstStyle/>
+        <a:p>
+          <a:endParaRPr lang="en-US"/>
+        </a:p>
+      </dgm:t>
     </dgm:pt>
     <dgm:pt modelId="{3FA1D706-69E1-454B-935B-CF904850F055}" type="pres">
       <dgm:prSet presAssocID="{78A2CF6F-68BA-4988-9EB1-FA257C6AC8C3}" presName="connectorText" presStyleLbl="sibTrans2D1" presStyleIdx="6" presStyleCnt="10"/>
       <dgm:spPr/>
+      <dgm:t>
+        <a:bodyPr/>
+        <a:lstStyle/>
+        <a:p>
+          <a:endParaRPr lang="en-US"/>
+        </a:p>
+      </dgm:t>
     </dgm:pt>
     <dgm:pt modelId="{E3B21D62-CF0D-4748-A9A6-0C199556F77A}" type="pres">
       <dgm:prSet presAssocID="{8FB24F69-F85D-4277-B0C2-D13D88F58074}" presName="node" presStyleLbl="node1" presStyleIdx="7" presStyleCnt="10">
@@ -1662,14 +1821,35 @@
         </dgm:presLayoutVars>
       </dgm:prSet>
       <dgm:spPr/>
+      <dgm:t>
+        <a:bodyPr/>
+        <a:lstStyle/>
+        <a:p>
+          <a:endParaRPr lang="en-US"/>
+        </a:p>
+      </dgm:t>
     </dgm:pt>
     <dgm:pt modelId="{0A228AAB-E798-48C4-ACC2-E4045DA440C5}" type="pres">
       <dgm:prSet presAssocID="{1A639D0A-1148-44F8-A0F5-EC4458BE9647}" presName="sibTrans" presStyleLbl="sibTrans2D1" presStyleIdx="7" presStyleCnt="10"/>
       <dgm:spPr/>
+      <dgm:t>
+        <a:bodyPr/>
+        <a:lstStyle/>
+        <a:p>
+          <a:endParaRPr lang="en-US"/>
+        </a:p>
+      </dgm:t>
     </dgm:pt>
     <dgm:pt modelId="{8C6C6D7D-4145-4552-8816-847531131569}" type="pres">
       <dgm:prSet presAssocID="{1A639D0A-1148-44F8-A0F5-EC4458BE9647}" presName="connectorText" presStyleLbl="sibTrans2D1" presStyleIdx="7" presStyleCnt="10"/>
       <dgm:spPr/>
+      <dgm:t>
+        <a:bodyPr/>
+        <a:lstStyle/>
+        <a:p>
+          <a:endParaRPr lang="en-US"/>
+        </a:p>
+      </dgm:t>
     </dgm:pt>
     <dgm:pt modelId="{BE26643A-2800-4348-8673-831931C78591}" type="pres">
       <dgm:prSet presAssocID="{27F90A88-0D2A-4522-BF82-175301EE29D1}" presName="node" presStyleLbl="node1" presStyleIdx="8" presStyleCnt="10">
@@ -1678,14 +1858,35 @@
         </dgm:presLayoutVars>
       </dgm:prSet>
       <dgm:spPr/>
+      <dgm:t>
+        <a:bodyPr/>
+        <a:lstStyle/>
+        <a:p>
+          <a:endParaRPr lang="en-US"/>
+        </a:p>
+      </dgm:t>
     </dgm:pt>
     <dgm:pt modelId="{5B2035A5-3D65-4246-8A86-FE0CE1DB0A65}" type="pres">
       <dgm:prSet presAssocID="{A7860F85-8A94-4FBB-BDE7-C5303A59A3E1}" presName="sibTrans" presStyleLbl="sibTrans2D1" presStyleIdx="8" presStyleCnt="10"/>
       <dgm:spPr/>
+      <dgm:t>
+        <a:bodyPr/>
+        <a:lstStyle/>
+        <a:p>
+          <a:endParaRPr lang="en-US"/>
+        </a:p>
+      </dgm:t>
     </dgm:pt>
     <dgm:pt modelId="{2DD10ED9-19A5-4EC6-8359-BE726E9E21A7}" type="pres">
       <dgm:prSet presAssocID="{A7860F85-8A94-4FBB-BDE7-C5303A59A3E1}" presName="connectorText" presStyleLbl="sibTrans2D1" presStyleIdx="8" presStyleCnt="10"/>
       <dgm:spPr/>
+      <dgm:t>
+        <a:bodyPr/>
+        <a:lstStyle/>
+        <a:p>
+          <a:endParaRPr lang="en-US"/>
+        </a:p>
+      </dgm:t>
     </dgm:pt>
     <dgm:pt modelId="{2C2E17D6-29D5-454F-BAB7-B3A9ECCE55B5}" type="pres">
       <dgm:prSet presAssocID="{1689F57F-3D8A-462F-B88E-C1733D8564DA}" presName="node" presStyleLbl="node1" presStyleIdx="9" presStyleCnt="10">
@@ -1694,58 +1895,79 @@
         </dgm:presLayoutVars>
       </dgm:prSet>
       <dgm:spPr/>
+      <dgm:t>
+        <a:bodyPr/>
+        <a:lstStyle/>
+        <a:p>
+          <a:endParaRPr lang="en-US"/>
+        </a:p>
+      </dgm:t>
     </dgm:pt>
     <dgm:pt modelId="{21887196-FD14-4C0A-80CC-036FD7B9F3A0}" type="pres">
       <dgm:prSet presAssocID="{A5032446-0F4D-4828-8BC9-3EAE22634B91}" presName="sibTrans" presStyleLbl="sibTrans2D1" presStyleIdx="9" presStyleCnt="10"/>
       <dgm:spPr/>
+      <dgm:t>
+        <a:bodyPr/>
+        <a:lstStyle/>
+        <a:p>
+          <a:endParaRPr lang="en-US"/>
+        </a:p>
+      </dgm:t>
     </dgm:pt>
     <dgm:pt modelId="{D214CBBE-1A5C-4CD5-9499-59C2D02ABE81}" type="pres">
       <dgm:prSet presAssocID="{A5032446-0F4D-4828-8BC9-3EAE22634B91}" presName="connectorText" presStyleLbl="sibTrans2D1" presStyleIdx="9" presStyleCnt="10"/>
       <dgm:spPr/>
+      <dgm:t>
+        <a:bodyPr/>
+        <a:lstStyle/>
+        <a:p>
+          <a:endParaRPr lang="en-US"/>
+        </a:p>
+      </dgm:t>
     </dgm:pt>
   </dgm:ptLst>
   <dgm:cxnLst>
+    <dgm:cxn modelId="{A83A8035-AC5B-4292-8EFC-8F6D1B6E3CBF}" type="presOf" srcId="{05A66C5F-B7A0-4FD3-ACF6-D21468E3B083}" destId="{B9748594-E383-44FE-9D14-6B85858553B6}" srcOrd="1" destOrd="0" presId="urn:microsoft.com/office/officeart/2005/8/layout/cycle2"/>
+    <dgm:cxn modelId="{A85226EE-9F3C-4C4F-899B-738B67B00AB2}" type="presOf" srcId="{05A66C5F-B7A0-4FD3-ACF6-D21468E3B083}" destId="{6BF47017-3199-4D6F-A902-38BD253FE2BD}" srcOrd="0" destOrd="0" presId="urn:microsoft.com/office/officeart/2005/8/layout/cycle2"/>
+    <dgm:cxn modelId="{9F4A2C9F-5CD5-4DBD-A902-B13FC0C0CA78}" type="presOf" srcId="{1CC4BCE2-76A1-4EF3-B18F-C2244E379833}" destId="{1B3D324A-4042-46B7-B47E-37C52739C328}" srcOrd="1" destOrd="0" presId="urn:microsoft.com/office/officeart/2005/8/layout/cycle2"/>
+    <dgm:cxn modelId="{4A92C6E2-50ED-4DE7-AC6F-D819CFF42ADF}" type="presOf" srcId="{D657CE5E-1297-4614-8EF0-55EDBB3F5E36}" destId="{1D2E49F2-5C7E-4A41-B7F1-AFE7330D4554}" srcOrd="0" destOrd="0" presId="urn:microsoft.com/office/officeart/2005/8/layout/cycle2"/>
+    <dgm:cxn modelId="{55936FF4-408B-450F-9E92-B59CD6C404B5}" srcId="{E9956C54-D53E-4F68-956A-63EF1391CAF4}" destId="{27F90A88-0D2A-4522-BF82-175301EE29D1}" srcOrd="8" destOrd="0" parTransId="{59CAF259-15F5-4D10-ACB9-CEE7E8700139}" sibTransId="{A7860F85-8A94-4FBB-BDE7-C5303A59A3E1}"/>
+    <dgm:cxn modelId="{21FB979C-030C-4091-AE20-8D8087DD1846}" srcId="{E9956C54-D53E-4F68-956A-63EF1391CAF4}" destId="{63BBB4C2-A5D5-4C49-BE96-1F6A3653614B}" srcOrd="2" destOrd="0" parTransId="{FA5CA19A-4D48-4BAC-84D9-6C6B5CA4A645}" sibTransId="{E24C2443-FAC9-4E93-92BC-72665349AEFF}"/>
+    <dgm:cxn modelId="{61846115-D3F6-4877-9E73-89DDC3FB2531}" type="presOf" srcId="{78A2CF6F-68BA-4988-9EB1-FA257C6AC8C3}" destId="{3FA1D706-69E1-454B-935B-CF904850F055}" srcOrd="1" destOrd="0" presId="urn:microsoft.com/office/officeart/2005/8/layout/cycle2"/>
+    <dgm:cxn modelId="{D2B548C0-4D02-4EF7-873E-DD98FA2C2586}" type="presOf" srcId="{2129D7EE-9F1D-4127-95D6-0DA50FF234E2}" destId="{58133CA6-7870-435D-99DB-A1D74490F0DE}" srcOrd="1" destOrd="0" presId="urn:microsoft.com/office/officeart/2005/8/layout/cycle2"/>
+    <dgm:cxn modelId="{EF01AF64-066C-4E9C-BC68-6582FF319397}" type="presOf" srcId="{1A639D0A-1148-44F8-A0F5-EC4458BE9647}" destId="{0A228AAB-E798-48C4-ACC2-E4045DA440C5}" srcOrd="0" destOrd="0" presId="urn:microsoft.com/office/officeart/2005/8/layout/cycle2"/>
     <dgm:cxn modelId="{15D6C101-30E8-44F8-A53B-61B6646F6531}" srcId="{E9956C54-D53E-4F68-956A-63EF1391CAF4}" destId="{48DADD7B-A898-4197-8016-D1BE09A07DA5}" srcOrd="3" destOrd="0" parTransId="{C2A1FB40-F7B0-4F8A-8FD7-5327AF701CD0}" sibTransId="{B5E7BEE2-2EFE-4924-BB33-6BCBE7F14EF4}"/>
-    <dgm:cxn modelId="{FFDB9D08-0637-4A08-A225-D29056918D87}" type="presOf" srcId="{0229F887-1902-44CE-8761-F72E10220A6E}" destId="{16ABA4CC-D79D-47ED-8106-15076236C112}" srcOrd="0" destOrd="0" presId="urn:microsoft.com/office/officeart/2005/8/layout/cycle2"/>
     <dgm:cxn modelId="{8D775D09-18AC-4A29-A44E-139657A57352}" srcId="{E9956C54-D53E-4F68-956A-63EF1391CAF4}" destId="{8FB24F69-F85D-4277-B0C2-D13D88F58074}" srcOrd="7" destOrd="0" parTransId="{E4FF0CC3-C0B6-4EC9-B308-FFEA539D2CD1}" sibTransId="{1A639D0A-1148-44F8-A0F5-EC4458BE9647}"/>
+    <dgm:cxn modelId="{B1CEB8FA-6DEC-418C-9323-C2DEF751206A}" type="presOf" srcId="{1A639D0A-1148-44F8-A0F5-EC4458BE9647}" destId="{8C6C6D7D-4145-4552-8816-847531131569}" srcOrd="1" destOrd="0" presId="urn:microsoft.com/office/officeart/2005/8/layout/cycle2"/>
+    <dgm:cxn modelId="{29E2236E-FF29-45D1-87E0-6E90F627FAAA}" type="presOf" srcId="{78A2CF6F-68BA-4988-9EB1-FA257C6AC8C3}" destId="{3CDAA4F2-D23E-4CDE-AD29-940144151F98}" srcOrd="0" destOrd="0" presId="urn:microsoft.com/office/officeart/2005/8/layout/cycle2"/>
+    <dgm:cxn modelId="{38728FCF-4D02-4C13-BACC-CFB08B5544A2}" type="presOf" srcId="{B5E7BEE2-2EFE-4924-BB33-6BCBE7F14EF4}" destId="{7DE92D2D-10C9-403F-8E7D-050D02D6E317}" srcOrd="0" destOrd="0" presId="urn:microsoft.com/office/officeart/2005/8/layout/cycle2"/>
+    <dgm:cxn modelId="{69C713EB-D1F7-480E-8D24-540B2B405772}" type="presOf" srcId="{8FB24F69-F85D-4277-B0C2-D13D88F58074}" destId="{E3B21D62-CF0D-4748-A9A6-0C199556F77A}" srcOrd="0" destOrd="0" presId="urn:microsoft.com/office/officeart/2005/8/layout/cycle2"/>
+    <dgm:cxn modelId="{B9639ACD-0CBC-436A-BEF1-61F837DD4786}" type="presOf" srcId="{1689F57F-3D8A-462F-B88E-C1733D8564DA}" destId="{2C2E17D6-29D5-454F-BAB7-B3A9ECCE55B5}" srcOrd="0" destOrd="0" presId="urn:microsoft.com/office/officeart/2005/8/layout/cycle2"/>
     <dgm:cxn modelId="{EF785E09-F203-4F04-B5A7-EF046D321508}" type="presOf" srcId="{A5032446-0F4D-4828-8BC9-3EAE22634B91}" destId="{D214CBBE-1A5C-4CD5-9499-59C2D02ABE81}" srcOrd="1" destOrd="0" presId="urn:microsoft.com/office/officeart/2005/8/layout/cycle2"/>
+    <dgm:cxn modelId="{07AE94DB-03C7-43DC-A5C8-69ABCDE80271}" type="presOf" srcId="{E6D6892F-9AE1-427D-80F4-0B1354D18AC2}" destId="{B13032B6-B880-4B66-B153-4D59B07C79F2}" srcOrd="0" destOrd="0" presId="urn:microsoft.com/office/officeart/2005/8/layout/cycle2"/>
+    <dgm:cxn modelId="{3E35CE9E-6BD1-4208-A3F4-E61EE2687B32}" srcId="{E9956C54-D53E-4F68-956A-63EF1391CAF4}" destId="{4FF8C49A-9F25-4BC0-8680-ED9CF1748A03}" srcOrd="1" destOrd="0" parTransId="{BB364608-FE96-4B0D-9CB9-04727AFA8B74}" sibTransId="{1CC4BCE2-76A1-4EF3-B18F-C2244E379833}"/>
     <dgm:cxn modelId="{40A9F211-AA7F-4F2A-BDC5-1363B192B795}" type="presOf" srcId="{A7860F85-8A94-4FBB-BDE7-C5303A59A3E1}" destId="{5B2035A5-3D65-4246-8A86-FE0CE1DB0A65}" srcOrd="0" destOrd="0" presId="urn:microsoft.com/office/officeart/2005/8/layout/cycle2"/>
-    <dgm:cxn modelId="{61846115-D3F6-4877-9E73-89DDC3FB2531}" type="presOf" srcId="{78A2CF6F-68BA-4988-9EB1-FA257C6AC8C3}" destId="{3FA1D706-69E1-454B-935B-CF904850F055}" srcOrd="1" destOrd="0" presId="urn:microsoft.com/office/officeart/2005/8/layout/cycle2"/>
+    <dgm:cxn modelId="{BDB2B665-3271-46A5-9456-5EAE967C28A3}" type="presOf" srcId="{B693D842-BFCC-4906-825D-6E6EFD7FB0F1}" destId="{4A381A04-4A56-411A-9A54-3A07E516AD79}" srcOrd="0" destOrd="0" presId="urn:microsoft.com/office/officeart/2005/8/layout/cycle2"/>
+    <dgm:cxn modelId="{BBAF7F58-F0B8-42FC-B963-5484F7242081}" srcId="{E9956C54-D53E-4F68-956A-63EF1391CAF4}" destId="{1689F57F-3D8A-462F-B88E-C1733D8564DA}" srcOrd="9" destOrd="0" parTransId="{7A0E39F4-5719-4EC5-8B9C-7162C4125C78}" sibTransId="{A5032446-0F4D-4828-8BC9-3EAE22634B91}"/>
+    <dgm:cxn modelId="{2A71D7DA-F71D-4BA8-9FB9-6F29A6FAE28B}" type="presOf" srcId="{A7860F85-8A94-4FBB-BDE7-C5303A59A3E1}" destId="{2DD10ED9-19A5-4EC6-8359-BE726E9E21A7}" srcOrd="1" destOrd="0" presId="urn:microsoft.com/office/officeart/2005/8/layout/cycle2"/>
+    <dgm:cxn modelId="{6C172D94-E5D2-4118-BC52-C31E3E40DE29}" type="presOf" srcId="{B5E7BEE2-2EFE-4924-BB33-6BCBE7F14EF4}" destId="{631469E0-9012-4DC8-A961-17183AAE4313}" srcOrd="1" destOrd="0" presId="urn:microsoft.com/office/officeart/2005/8/layout/cycle2"/>
+    <dgm:cxn modelId="{7FFC6C3D-B840-47D2-A671-5E4BE4E653A8}" srcId="{E9956C54-D53E-4F68-956A-63EF1391CAF4}" destId="{B693D842-BFCC-4906-825D-6E6EFD7FB0F1}" srcOrd="5" destOrd="0" parTransId="{F99A462C-430E-41A8-8CC9-8681B48D962D}" sibTransId="{05A66C5F-B7A0-4FD3-ACF6-D21468E3B083}"/>
+    <dgm:cxn modelId="{2F6F6EEE-6777-4894-A31B-ABB4C51273C1}" srcId="{E9956C54-D53E-4F68-956A-63EF1391CAF4}" destId="{D657CE5E-1297-4614-8EF0-55EDBB3F5E36}" srcOrd="0" destOrd="0" parTransId="{E3F6F16A-3F5F-412B-A111-3BBF1D8B51C7}" sibTransId="{0229F887-1902-44CE-8761-F72E10220A6E}"/>
+    <dgm:cxn modelId="{BBD94081-5C53-4CD2-A3B6-732B2A5E70D7}" type="presOf" srcId="{E24C2443-FAC9-4E93-92BC-72665349AEFF}" destId="{E7314834-0341-4D43-8AC5-9EEACCD1375D}" srcOrd="0" destOrd="0" presId="urn:microsoft.com/office/officeart/2005/8/layout/cycle2"/>
+    <dgm:cxn modelId="{229F5650-89B7-4BDE-91BF-2F707AEBB1F0}" type="presOf" srcId="{48DADD7B-A898-4197-8016-D1BE09A07DA5}" destId="{E1AE00CC-1F4D-4AE7-A3B4-66519373870A}" srcOrd="0" destOrd="0" presId="urn:microsoft.com/office/officeart/2005/8/layout/cycle2"/>
+    <dgm:cxn modelId="{231F2A5A-B55C-4C28-AB87-62E6B90A67B0}" type="presOf" srcId="{E9956C54-D53E-4F68-956A-63EF1391CAF4}" destId="{F992BE0A-CD74-4175-8F83-BC740FD0003E}" srcOrd="0" destOrd="0" presId="urn:microsoft.com/office/officeart/2005/8/layout/cycle2"/>
+    <dgm:cxn modelId="{A19C5D8A-9267-41CB-B7A9-842F342C6E31}" type="presOf" srcId="{4FF8C49A-9F25-4BC0-8680-ED9CF1748A03}" destId="{2947F191-3C43-4E0C-80CA-2474BFFCF3D8}" srcOrd="0" destOrd="0" presId="urn:microsoft.com/office/officeart/2005/8/layout/cycle2"/>
     <dgm:cxn modelId="{6D7B8216-8091-4E54-9F37-D338EF5D0044}" srcId="{E9956C54-D53E-4F68-956A-63EF1391CAF4}" destId="{FBEF7B27-6A41-4F49-9FF7-0843C34F532C}" srcOrd="6" destOrd="0" parTransId="{A19A493C-576D-4A9B-A327-E9CC48E485E9}" sibTransId="{78A2CF6F-68BA-4988-9EB1-FA257C6AC8C3}"/>
-    <dgm:cxn modelId="{A83A8035-AC5B-4292-8EFC-8F6D1B6E3CBF}" type="presOf" srcId="{05A66C5F-B7A0-4FD3-ACF6-D21468E3B083}" destId="{B9748594-E383-44FE-9D14-6B85858553B6}" srcOrd="1" destOrd="0" presId="urn:microsoft.com/office/officeart/2005/8/layout/cycle2"/>
+    <dgm:cxn modelId="{110FEB8C-C7AB-4D5A-B7FA-85C5A653E20D}" type="presOf" srcId="{2129D7EE-9F1D-4127-95D6-0DA50FF234E2}" destId="{14F71449-0B32-46B7-BE60-89834081BB7B}" srcOrd="0" destOrd="0" presId="urn:microsoft.com/office/officeart/2005/8/layout/cycle2"/>
+    <dgm:cxn modelId="{E9D4F5C5-C2BF-44D1-B0E9-35AC285B178A}" type="presOf" srcId="{A5032446-0F4D-4828-8BC9-3EAE22634B91}" destId="{21887196-FD14-4C0A-80CC-036FD7B9F3A0}" srcOrd="0" destOrd="0" presId="urn:microsoft.com/office/officeart/2005/8/layout/cycle2"/>
+    <dgm:cxn modelId="{09D6A454-26C8-4B7A-A754-9CC0C6A3F8D9}" type="presOf" srcId="{FBEF7B27-6A41-4F49-9FF7-0843C34F532C}" destId="{D4915597-16E8-4BB0-A93B-9AA4BF09634A}" srcOrd="0" destOrd="0" presId="urn:microsoft.com/office/officeart/2005/8/layout/cycle2"/>
+    <dgm:cxn modelId="{A11A5761-1B69-4052-BCB5-D6D04FDADD0F}" srcId="{E9956C54-D53E-4F68-956A-63EF1391CAF4}" destId="{E6D6892F-9AE1-427D-80F4-0B1354D18AC2}" srcOrd="4" destOrd="0" parTransId="{EABDA980-4CA8-4199-8677-087DEFFF7665}" sibTransId="{2129D7EE-9F1D-4127-95D6-0DA50FF234E2}"/>
     <dgm:cxn modelId="{174ADB3A-2C5D-476C-AFE6-AD5B4FCADB16}" type="presOf" srcId="{E24C2443-FAC9-4E93-92BC-72665349AEFF}" destId="{F9164695-D02A-4FE1-A536-01B4BECA2501}" srcOrd="1" destOrd="0" presId="urn:microsoft.com/office/officeart/2005/8/layout/cycle2"/>
-    <dgm:cxn modelId="{7FFC6C3D-B840-47D2-A671-5E4BE4E653A8}" srcId="{E9956C54-D53E-4F68-956A-63EF1391CAF4}" destId="{B693D842-BFCC-4906-825D-6E6EFD7FB0F1}" srcOrd="5" destOrd="0" parTransId="{F99A462C-430E-41A8-8CC9-8681B48D962D}" sibTransId="{05A66C5F-B7A0-4FD3-ACF6-D21468E3B083}"/>
-    <dgm:cxn modelId="{A11A5761-1B69-4052-BCB5-D6D04FDADD0F}" srcId="{E9956C54-D53E-4F68-956A-63EF1391CAF4}" destId="{E6D6892F-9AE1-427D-80F4-0B1354D18AC2}" srcOrd="4" destOrd="0" parTransId="{EABDA980-4CA8-4199-8677-087DEFFF7665}" sibTransId="{2129D7EE-9F1D-4127-95D6-0DA50FF234E2}"/>
-    <dgm:cxn modelId="{A0EBE863-BFCA-4AC0-B149-328C99E23439}" type="presOf" srcId="{63BBB4C2-A5D5-4C49-BE96-1F6A3653614B}" destId="{F934D764-6743-4456-AB5A-3491D0772F24}" srcOrd="0" destOrd="0" presId="urn:microsoft.com/office/officeart/2005/8/layout/cycle2"/>
-    <dgm:cxn modelId="{EF01AF64-066C-4E9C-BC68-6582FF319397}" type="presOf" srcId="{1A639D0A-1148-44F8-A0F5-EC4458BE9647}" destId="{0A228AAB-E798-48C4-ACC2-E4045DA440C5}" srcOrd="0" destOrd="0" presId="urn:microsoft.com/office/officeart/2005/8/layout/cycle2"/>
-    <dgm:cxn modelId="{BDB2B665-3271-46A5-9456-5EAE967C28A3}" type="presOf" srcId="{B693D842-BFCC-4906-825D-6E6EFD7FB0F1}" destId="{4A381A04-4A56-411A-9A54-3A07E516AD79}" srcOrd="0" destOrd="0" presId="urn:microsoft.com/office/officeart/2005/8/layout/cycle2"/>
-    <dgm:cxn modelId="{29E2236E-FF29-45D1-87E0-6E90F627FAAA}" type="presOf" srcId="{78A2CF6F-68BA-4988-9EB1-FA257C6AC8C3}" destId="{3CDAA4F2-D23E-4CDE-AD29-940144151F98}" srcOrd="0" destOrd="0" presId="urn:microsoft.com/office/officeart/2005/8/layout/cycle2"/>
-    <dgm:cxn modelId="{229F5650-89B7-4BDE-91BF-2F707AEBB1F0}" type="presOf" srcId="{48DADD7B-A898-4197-8016-D1BE09A07DA5}" destId="{E1AE00CC-1F4D-4AE7-A3B4-66519373870A}" srcOrd="0" destOrd="0" presId="urn:microsoft.com/office/officeart/2005/8/layout/cycle2"/>
-    <dgm:cxn modelId="{09D6A454-26C8-4B7A-A754-9CC0C6A3F8D9}" type="presOf" srcId="{FBEF7B27-6A41-4F49-9FF7-0843C34F532C}" destId="{D4915597-16E8-4BB0-A93B-9AA4BF09634A}" srcOrd="0" destOrd="0" presId="urn:microsoft.com/office/officeart/2005/8/layout/cycle2"/>
-    <dgm:cxn modelId="{BBAF7F58-F0B8-42FC-B963-5484F7242081}" srcId="{E9956C54-D53E-4F68-956A-63EF1391CAF4}" destId="{1689F57F-3D8A-462F-B88E-C1733D8564DA}" srcOrd="9" destOrd="0" parTransId="{7A0E39F4-5719-4EC5-8B9C-7162C4125C78}" sibTransId="{A5032446-0F4D-4828-8BC9-3EAE22634B91}"/>
-    <dgm:cxn modelId="{231F2A5A-B55C-4C28-AB87-62E6B90A67B0}" type="presOf" srcId="{E9956C54-D53E-4F68-956A-63EF1391CAF4}" destId="{F992BE0A-CD74-4175-8F83-BC740FD0003E}" srcOrd="0" destOrd="0" presId="urn:microsoft.com/office/officeart/2005/8/layout/cycle2"/>
-    <dgm:cxn modelId="{BBD94081-5C53-4CD2-A3B6-732B2A5E70D7}" type="presOf" srcId="{E24C2443-FAC9-4E93-92BC-72665349AEFF}" destId="{E7314834-0341-4D43-8AC5-9EEACCD1375D}" srcOrd="0" destOrd="0" presId="urn:microsoft.com/office/officeart/2005/8/layout/cycle2"/>
     <dgm:cxn modelId="{55EC1787-DBE1-4F83-894A-FD99415CCF92}" type="presOf" srcId="{27F90A88-0D2A-4522-BF82-175301EE29D1}" destId="{BE26643A-2800-4348-8673-831931C78591}" srcOrd="0" destOrd="0" presId="urn:microsoft.com/office/officeart/2005/8/layout/cycle2"/>
     <dgm:cxn modelId="{63CCB787-B5B1-45DB-BD77-4666D1A569A7}" type="presOf" srcId="{0229F887-1902-44CE-8761-F72E10220A6E}" destId="{82F4F992-1E3F-4A65-B65B-76ADF30264A2}" srcOrd="1" destOrd="0" presId="urn:microsoft.com/office/officeart/2005/8/layout/cycle2"/>
-    <dgm:cxn modelId="{A19C5D8A-9267-41CB-B7A9-842F342C6E31}" type="presOf" srcId="{4FF8C49A-9F25-4BC0-8680-ED9CF1748A03}" destId="{2947F191-3C43-4E0C-80CA-2474BFFCF3D8}" srcOrd="0" destOrd="0" presId="urn:microsoft.com/office/officeart/2005/8/layout/cycle2"/>
-    <dgm:cxn modelId="{110FEB8C-C7AB-4D5A-B7FA-85C5A653E20D}" type="presOf" srcId="{2129D7EE-9F1D-4127-95D6-0DA50FF234E2}" destId="{14F71449-0B32-46B7-BE60-89834081BB7B}" srcOrd="0" destOrd="0" presId="urn:microsoft.com/office/officeart/2005/8/layout/cycle2"/>
-    <dgm:cxn modelId="{6C172D94-E5D2-4118-BC52-C31E3E40DE29}" type="presOf" srcId="{B5E7BEE2-2EFE-4924-BB33-6BCBE7F14EF4}" destId="{631469E0-9012-4DC8-A961-17183AAE4313}" srcOrd="1" destOrd="0" presId="urn:microsoft.com/office/officeart/2005/8/layout/cycle2"/>
-    <dgm:cxn modelId="{21FB979C-030C-4091-AE20-8D8087DD1846}" srcId="{E9956C54-D53E-4F68-956A-63EF1391CAF4}" destId="{63BBB4C2-A5D5-4C49-BE96-1F6A3653614B}" srcOrd="2" destOrd="0" parTransId="{FA5CA19A-4D48-4BAC-84D9-6C6B5CA4A645}" sibTransId="{E24C2443-FAC9-4E93-92BC-72665349AEFF}"/>
-    <dgm:cxn modelId="{3E35CE9E-6BD1-4208-A3F4-E61EE2687B32}" srcId="{E9956C54-D53E-4F68-956A-63EF1391CAF4}" destId="{4FF8C49A-9F25-4BC0-8680-ED9CF1748A03}" srcOrd="1" destOrd="0" parTransId="{BB364608-FE96-4B0D-9CB9-04727AFA8B74}" sibTransId="{1CC4BCE2-76A1-4EF3-B18F-C2244E379833}"/>
     <dgm:cxn modelId="{4FC7E69E-13FF-4CF6-8B68-EB7BBAFD3450}" type="presOf" srcId="{1CC4BCE2-76A1-4EF3-B18F-C2244E379833}" destId="{D8F293CE-882E-4990-BB7F-65AA7E50873B}" srcOrd="0" destOrd="0" presId="urn:microsoft.com/office/officeart/2005/8/layout/cycle2"/>
-    <dgm:cxn modelId="{9F4A2C9F-5CD5-4DBD-A902-B13FC0C0CA78}" type="presOf" srcId="{1CC4BCE2-76A1-4EF3-B18F-C2244E379833}" destId="{1B3D324A-4042-46B7-B47E-37C52739C328}" srcOrd="1" destOrd="0" presId="urn:microsoft.com/office/officeart/2005/8/layout/cycle2"/>
-    <dgm:cxn modelId="{D2B548C0-4D02-4EF7-873E-DD98FA2C2586}" type="presOf" srcId="{2129D7EE-9F1D-4127-95D6-0DA50FF234E2}" destId="{58133CA6-7870-435D-99DB-A1D74490F0DE}" srcOrd="1" destOrd="0" presId="urn:microsoft.com/office/officeart/2005/8/layout/cycle2"/>
-    <dgm:cxn modelId="{E9D4F5C5-C2BF-44D1-B0E9-35AC285B178A}" type="presOf" srcId="{A5032446-0F4D-4828-8BC9-3EAE22634B91}" destId="{21887196-FD14-4C0A-80CC-036FD7B9F3A0}" srcOrd="0" destOrd="0" presId="urn:microsoft.com/office/officeart/2005/8/layout/cycle2"/>
-    <dgm:cxn modelId="{B9639ACD-0CBC-436A-BEF1-61F837DD4786}" type="presOf" srcId="{1689F57F-3D8A-462F-B88E-C1733D8564DA}" destId="{2C2E17D6-29D5-454F-BAB7-B3A9ECCE55B5}" srcOrd="0" destOrd="0" presId="urn:microsoft.com/office/officeart/2005/8/layout/cycle2"/>
-    <dgm:cxn modelId="{38728FCF-4D02-4C13-BACC-CFB08B5544A2}" type="presOf" srcId="{B5E7BEE2-2EFE-4924-BB33-6BCBE7F14EF4}" destId="{7DE92D2D-10C9-403F-8E7D-050D02D6E317}" srcOrd="0" destOrd="0" presId="urn:microsoft.com/office/officeart/2005/8/layout/cycle2"/>
-    <dgm:cxn modelId="{2A71D7DA-F71D-4BA8-9FB9-6F29A6FAE28B}" type="presOf" srcId="{A7860F85-8A94-4FBB-BDE7-C5303A59A3E1}" destId="{2DD10ED9-19A5-4EC6-8359-BE726E9E21A7}" srcOrd="1" destOrd="0" presId="urn:microsoft.com/office/officeart/2005/8/layout/cycle2"/>
-    <dgm:cxn modelId="{07AE94DB-03C7-43DC-A5C8-69ABCDE80271}" type="presOf" srcId="{E6D6892F-9AE1-427D-80F4-0B1354D18AC2}" destId="{B13032B6-B880-4B66-B153-4D59B07C79F2}" srcOrd="0" destOrd="0" presId="urn:microsoft.com/office/officeart/2005/8/layout/cycle2"/>
-    <dgm:cxn modelId="{4A92C6E2-50ED-4DE7-AC6F-D819CFF42ADF}" type="presOf" srcId="{D657CE5E-1297-4614-8EF0-55EDBB3F5E36}" destId="{1D2E49F2-5C7E-4A41-B7F1-AFE7330D4554}" srcOrd="0" destOrd="0" presId="urn:microsoft.com/office/officeart/2005/8/layout/cycle2"/>
-    <dgm:cxn modelId="{69C713EB-D1F7-480E-8D24-540B2B405772}" type="presOf" srcId="{8FB24F69-F85D-4277-B0C2-D13D88F58074}" destId="{E3B21D62-CF0D-4748-A9A6-0C199556F77A}" srcOrd="0" destOrd="0" presId="urn:microsoft.com/office/officeart/2005/8/layout/cycle2"/>
-    <dgm:cxn modelId="{A85226EE-9F3C-4C4F-899B-738B67B00AB2}" type="presOf" srcId="{05A66C5F-B7A0-4FD3-ACF6-D21468E3B083}" destId="{6BF47017-3199-4D6F-A902-38BD253FE2BD}" srcOrd="0" destOrd="0" presId="urn:microsoft.com/office/officeart/2005/8/layout/cycle2"/>
-    <dgm:cxn modelId="{2F6F6EEE-6777-4894-A31B-ABB4C51273C1}" srcId="{E9956C54-D53E-4F68-956A-63EF1391CAF4}" destId="{D657CE5E-1297-4614-8EF0-55EDBB3F5E36}" srcOrd="0" destOrd="0" parTransId="{E3F6F16A-3F5F-412B-A111-3BBF1D8B51C7}" sibTransId="{0229F887-1902-44CE-8761-F72E10220A6E}"/>
-    <dgm:cxn modelId="{55936FF4-408B-450F-9E92-B59CD6C404B5}" srcId="{E9956C54-D53E-4F68-956A-63EF1391CAF4}" destId="{27F90A88-0D2A-4522-BF82-175301EE29D1}" srcOrd="8" destOrd="0" parTransId="{59CAF259-15F5-4D10-ACB9-CEE7E8700139}" sibTransId="{A7860F85-8A94-4FBB-BDE7-C5303A59A3E1}"/>
-    <dgm:cxn modelId="{B1CEB8FA-6DEC-418C-9323-C2DEF751206A}" type="presOf" srcId="{1A639D0A-1148-44F8-A0F5-EC4458BE9647}" destId="{8C6C6D7D-4145-4552-8816-847531131569}" srcOrd="1" destOrd="0" presId="urn:microsoft.com/office/officeart/2005/8/layout/cycle2"/>
+    <dgm:cxn modelId="{A0EBE863-BFCA-4AC0-B149-328C99E23439}" type="presOf" srcId="{63BBB4C2-A5D5-4C49-BE96-1F6A3653614B}" destId="{F934D764-6743-4456-AB5A-3491D0772F24}" srcOrd="0" destOrd="0" presId="urn:microsoft.com/office/officeart/2005/8/layout/cycle2"/>
+    <dgm:cxn modelId="{FFDB9D08-0637-4A08-A225-D29056918D87}" type="presOf" srcId="{0229F887-1902-44CE-8761-F72E10220A6E}" destId="{16ABA4CC-D79D-47ED-8106-15076236C112}" srcOrd="0" destOrd="0" presId="urn:microsoft.com/office/officeart/2005/8/layout/cycle2"/>
     <dgm:cxn modelId="{DECD3532-0A6D-43D8-9FF7-F9475E5AA914}" type="presParOf" srcId="{F992BE0A-CD74-4175-8F83-BC740FD0003E}" destId="{1D2E49F2-5C7E-4A41-B7F1-AFE7330D4554}" srcOrd="0" destOrd="0" presId="urn:microsoft.com/office/officeart/2005/8/layout/cycle2"/>
     <dgm:cxn modelId="{ADE18D16-0E30-4134-B564-4E223077D081}" type="presParOf" srcId="{F992BE0A-CD74-4175-8F83-BC740FD0003E}" destId="{16ABA4CC-D79D-47ED-8106-15076236C112}" srcOrd="1" destOrd="0" presId="urn:microsoft.com/office/officeart/2005/8/layout/cycle2"/>
     <dgm:cxn modelId="{FAE45A90-877F-4639-A72B-6A9750AC4EB6}" type="presParOf" srcId="{16ABA4CC-D79D-47ED-8106-15076236C112}" destId="{82F4F992-1E3F-4A65-B65B-76ADF30264A2}" srcOrd="0" destOrd="0" presId="urn:microsoft.com/office/officeart/2005/8/layout/cycle2"/>
@@ -1863,7 +2085,7 @@
         </a:bodyPr>
         <a:lstStyle/>
         <a:p>
-          <a:pPr marL="0" lvl="0" indent="0" algn="ctr" defTabSz="488950">
+          <a:pPr lvl="0" algn="ctr" defTabSz="488950">
             <a:lnSpc>
               <a:spcPct val="90000"/>
             </a:lnSpc>
@@ -1873,7 +2095,6 @@
             <a:spcAft>
               <a:spcPct val="35000"/>
             </a:spcAft>
-            <a:buNone/>
           </a:pPr>
           <a:r>
             <a:rPr lang="en-US" sz="1100" kern="1200" dirty="0"/>
@@ -1957,7 +2178,7 @@
         </a:bodyPr>
         <a:lstStyle/>
         <a:p>
-          <a:pPr marL="0" lvl="0" indent="0" algn="ctr" defTabSz="400050">
+          <a:pPr lvl="0" algn="ctr" defTabSz="400050">
             <a:lnSpc>
               <a:spcPct val="90000"/>
             </a:lnSpc>
@@ -1967,7 +2188,6 @@
             <a:spcAft>
               <a:spcPct val="35000"/>
             </a:spcAft>
-            <a:buNone/>
           </a:pPr>
           <a:endParaRPr lang="en-US" sz="900" kern="1200"/>
         </a:p>
@@ -2045,7 +2265,7 @@
         </a:bodyPr>
         <a:lstStyle/>
         <a:p>
-          <a:pPr marL="0" lvl="0" indent="0" algn="ctr" defTabSz="488950">
+          <a:pPr lvl="0" algn="ctr" defTabSz="488950">
             <a:lnSpc>
               <a:spcPct val="90000"/>
             </a:lnSpc>
@@ -2055,7 +2275,6 @@
             <a:spcAft>
               <a:spcPct val="35000"/>
             </a:spcAft>
-            <a:buNone/>
           </a:pPr>
           <a:r>
             <a:rPr lang="en-US" sz="1100" kern="1200" dirty="0"/>
@@ -2139,7 +2358,7 @@
         </a:bodyPr>
         <a:lstStyle/>
         <a:p>
-          <a:pPr marL="0" lvl="0" indent="0" algn="ctr" defTabSz="400050">
+          <a:pPr lvl="0" algn="ctr" defTabSz="400050">
             <a:lnSpc>
               <a:spcPct val="90000"/>
             </a:lnSpc>
@@ -2149,7 +2368,6 @@
             <a:spcAft>
               <a:spcPct val="35000"/>
             </a:spcAft>
-            <a:buNone/>
           </a:pPr>
           <a:endParaRPr lang="en-US" sz="900" kern="1200"/>
         </a:p>
@@ -2227,7 +2445,7 @@
         </a:bodyPr>
         <a:lstStyle/>
         <a:p>
-          <a:pPr marL="0" lvl="0" indent="0" algn="ctr" defTabSz="488950">
+          <a:pPr lvl="0" algn="ctr" defTabSz="488950">
             <a:lnSpc>
               <a:spcPct val="90000"/>
             </a:lnSpc>
@@ -2237,7 +2455,6 @@
             <a:spcAft>
               <a:spcPct val="35000"/>
             </a:spcAft>
-            <a:buNone/>
           </a:pPr>
           <a:r>
             <a:rPr lang="en-US" sz="1100" kern="1200" dirty="0"/>
@@ -2321,7 +2538,7 @@
         </a:bodyPr>
         <a:lstStyle/>
         <a:p>
-          <a:pPr marL="0" lvl="0" indent="0" algn="ctr" defTabSz="400050">
+          <a:pPr lvl="0" algn="ctr" defTabSz="400050">
             <a:lnSpc>
               <a:spcPct val="90000"/>
             </a:lnSpc>
@@ -2331,7 +2548,6 @@
             <a:spcAft>
               <a:spcPct val="35000"/>
             </a:spcAft>
-            <a:buNone/>
           </a:pPr>
           <a:endParaRPr lang="en-US" sz="900" kern="1200"/>
         </a:p>
@@ -2409,7 +2625,7 @@
         </a:bodyPr>
         <a:lstStyle/>
         <a:p>
-          <a:pPr marL="0" lvl="0" indent="0" algn="ctr" defTabSz="488950">
+          <a:pPr lvl="0" algn="ctr" defTabSz="488950">
             <a:lnSpc>
               <a:spcPct val="90000"/>
             </a:lnSpc>
@@ -2419,7 +2635,6 @@
             <a:spcAft>
               <a:spcPct val="35000"/>
             </a:spcAft>
-            <a:buNone/>
           </a:pPr>
           <a:r>
             <a:rPr lang="en-US" sz="1100" kern="1200" dirty="0"/>
@@ -2503,7 +2718,7 @@
         </a:bodyPr>
         <a:lstStyle/>
         <a:p>
-          <a:pPr marL="0" lvl="0" indent="0" algn="ctr" defTabSz="400050">
+          <a:pPr lvl="0" algn="ctr" defTabSz="400050">
             <a:lnSpc>
               <a:spcPct val="90000"/>
             </a:lnSpc>
@@ -2513,7 +2728,6 @@
             <a:spcAft>
               <a:spcPct val="35000"/>
             </a:spcAft>
-            <a:buNone/>
           </a:pPr>
           <a:endParaRPr lang="en-US" sz="900" kern="1200"/>
         </a:p>
@@ -2591,7 +2805,7 @@
         </a:bodyPr>
         <a:lstStyle/>
         <a:p>
-          <a:pPr marL="0" lvl="0" indent="0" algn="ctr" defTabSz="488950">
+          <a:pPr lvl="0" algn="ctr" defTabSz="488950">
             <a:lnSpc>
               <a:spcPct val="90000"/>
             </a:lnSpc>
@@ -2601,7 +2815,6 @@
             <a:spcAft>
               <a:spcPct val="35000"/>
             </a:spcAft>
-            <a:buNone/>
           </a:pPr>
           <a:r>
             <a:rPr lang="en-US" sz="1100" kern="1200" dirty="0"/>
@@ -2685,7 +2898,7 @@
         </a:bodyPr>
         <a:lstStyle/>
         <a:p>
-          <a:pPr marL="0" lvl="0" indent="0" algn="ctr" defTabSz="400050">
+          <a:pPr lvl="0" algn="ctr" defTabSz="400050">
             <a:lnSpc>
               <a:spcPct val="90000"/>
             </a:lnSpc>
@@ -2695,7 +2908,6 @@
             <a:spcAft>
               <a:spcPct val="35000"/>
             </a:spcAft>
-            <a:buNone/>
           </a:pPr>
           <a:endParaRPr lang="en-US" sz="900" kern="1200"/>
         </a:p>
@@ -2773,7 +2985,7 @@
         </a:bodyPr>
         <a:lstStyle/>
         <a:p>
-          <a:pPr marL="0" lvl="0" indent="0" algn="ctr" defTabSz="488950">
+          <a:pPr lvl="0" algn="ctr" defTabSz="488950">
             <a:lnSpc>
               <a:spcPct val="90000"/>
             </a:lnSpc>
@@ -2783,7 +2995,6 @@
             <a:spcAft>
               <a:spcPct val="35000"/>
             </a:spcAft>
-            <a:buNone/>
           </a:pPr>
           <a:r>
             <a:rPr lang="en-US" sz="1100" kern="1200" dirty="0"/>
@@ -2867,7 +3078,7 @@
         </a:bodyPr>
         <a:lstStyle/>
         <a:p>
-          <a:pPr marL="0" lvl="0" indent="0" algn="ctr" defTabSz="400050">
+          <a:pPr lvl="0" algn="ctr" defTabSz="400050">
             <a:lnSpc>
               <a:spcPct val="90000"/>
             </a:lnSpc>
@@ -2877,7 +3088,6 @@
             <a:spcAft>
               <a:spcPct val="35000"/>
             </a:spcAft>
-            <a:buNone/>
           </a:pPr>
           <a:endParaRPr lang="en-US" sz="900" kern="1200"/>
         </a:p>
@@ -2955,7 +3165,7 @@
         </a:bodyPr>
         <a:lstStyle/>
         <a:p>
-          <a:pPr marL="0" lvl="0" indent="0" algn="ctr" defTabSz="488950">
+          <a:pPr lvl="0" algn="ctr" defTabSz="488950">
             <a:lnSpc>
               <a:spcPct val="90000"/>
             </a:lnSpc>
@@ -2965,7 +3175,6 @@
             <a:spcAft>
               <a:spcPct val="35000"/>
             </a:spcAft>
-            <a:buNone/>
           </a:pPr>
           <a:r>
             <a:rPr lang="en-US" sz="1100" kern="1200" dirty="0"/>
@@ -3049,7 +3258,7 @@
         </a:bodyPr>
         <a:lstStyle/>
         <a:p>
-          <a:pPr marL="0" lvl="0" indent="0" algn="ctr" defTabSz="400050">
+          <a:pPr lvl="0" algn="ctr" defTabSz="400050">
             <a:lnSpc>
               <a:spcPct val="90000"/>
             </a:lnSpc>
@@ -3059,7 +3268,6 @@
             <a:spcAft>
               <a:spcPct val="35000"/>
             </a:spcAft>
-            <a:buNone/>
           </a:pPr>
           <a:endParaRPr lang="en-US" sz="900" kern="1200"/>
         </a:p>
@@ -3137,7 +3345,7 @@
         </a:bodyPr>
         <a:lstStyle/>
         <a:p>
-          <a:pPr marL="0" lvl="0" indent="0" algn="ctr" defTabSz="488950">
+          <a:pPr lvl="0" algn="ctr" defTabSz="488950">
             <a:lnSpc>
               <a:spcPct val="90000"/>
             </a:lnSpc>
@@ -3147,7 +3355,6 @@
             <a:spcAft>
               <a:spcPct val="35000"/>
             </a:spcAft>
-            <a:buNone/>
           </a:pPr>
           <a:r>
             <a:rPr lang="en-US" sz="1100" kern="1200" dirty="0"/>
@@ -3231,7 +3438,7 @@
         </a:bodyPr>
         <a:lstStyle/>
         <a:p>
-          <a:pPr marL="0" lvl="0" indent="0" algn="ctr" defTabSz="400050">
+          <a:pPr lvl="0" algn="ctr" defTabSz="400050">
             <a:lnSpc>
               <a:spcPct val="90000"/>
             </a:lnSpc>
@@ -3241,7 +3448,6 @@
             <a:spcAft>
               <a:spcPct val="35000"/>
             </a:spcAft>
-            <a:buNone/>
           </a:pPr>
           <a:endParaRPr lang="en-US" sz="900" kern="1200"/>
         </a:p>
@@ -3319,7 +3525,7 @@
         </a:bodyPr>
         <a:lstStyle/>
         <a:p>
-          <a:pPr marL="0" lvl="0" indent="0" algn="ctr" defTabSz="488950">
+          <a:pPr lvl="0" algn="ctr" defTabSz="488950">
             <a:lnSpc>
               <a:spcPct val="90000"/>
             </a:lnSpc>
@@ -3329,7 +3535,6 @@
             <a:spcAft>
               <a:spcPct val="35000"/>
             </a:spcAft>
-            <a:buNone/>
           </a:pPr>
           <a:r>
             <a:rPr lang="en-US" sz="1100" kern="1200" dirty="0"/>
@@ -3413,7 +3618,7 @@
         </a:bodyPr>
         <a:lstStyle/>
         <a:p>
-          <a:pPr marL="0" lvl="0" indent="0" algn="ctr" defTabSz="400050">
+          <a:pPr lvl="0" algn="ctr" defTabSz="400050">
             <a:lnSpc>
               <a:spcPct val="90000"/>
             </a:lnSpc>
@@ -3423,7 +3628,6 @@
             <a:spcAft>
               <a:spcPct val="35000"/>
             </a:spcAft>
-            <a:buNone/>
           </a:pPr>
           <a:endParaRPr lang="en-US" sz="900" kern="1200"/>
         </a:p>
@@ -3501,7 +3705,7 @@
         </a:bodyPr>
         <a:lstStyle/>
         <a:p>
-          <a:pPr marL="0" lvl="0" indent="0" algn="ctr" defTabSz="488950">
+          <a:pPr lvl="0" algn="ctr" defTabSz="488950">
             <a:lnSpc>
               <a:spcPct val="90000"/>
             </a:lnSpc>
@@ -3511,7 +3715,6 @@
             <a:spcAft>
               <a:spcPct val="35000"/>
             </a:spcAft>
-            <a:buNone/>
           </a:pPr>
           <a:r>
             <a:rPr lang="en-US" sz="1100" kern="1200" dirty="0"/>
@@ -3595,7 +3798,7 @@
         </a:bodyPr>
         <a:lstStyle/>
         <a:p>
-          <a:pPr marL="0" lvl="0" indent="0" algn="ctr" defTabSz="400050">
+          <a:pPr lvl="0" algn="ctr" defTabSz="400050">
             <a:lnSpc>
               <a:spcPct val="90000"/>
             </a:lnSpc>
@@ -3605,7 +3808,6 @@
             <a:spcAft>
               <a:spcPct val="35000"/>
             </a:spcAft>
-            <a:buNone/>
           </a:pPr>
           <a:endParaRPr lang="en-US" sz="900" kern="1200"/>
         </a:p>
@@ -5013,7 +5215,7 @@
           <a:p>
             <a:fld id="{6FE5F4D2-733A-4815-B25A-FD390565D778}" type="datetimeFigureOut">
               <a:rPr lang="en-IN" smtClean="0"/>
-              <a:t>23-02-2018</a:t>
+              <a:t>03-03-2018</a:t>
             </a:fld>
             <a:endParaRPr lang="en-IN"/>
           </a:p>
@@ -5213,7 +5415,7 @@
           <a:p>
             <a:fld id="{6FE5F4D2-733A-4815-B25A-FD390565D778}" type="datetimeFigureOut">
               <a:rPr lang="en-IN" smtClean="0"/>
-              <a:t>23-02-2018</a:t>
+              <a:t>03-03-2018</a:t>
             </a:fld>
             <a:endParaRPr lang="en-IN"/>
           </a:p>
@@ -5423,7 +5625,7 @@
           <a:p>
             <a:fld id="{6FE5F4D2-733A-4815-B25A-FD390565D778}" type="datetimeFigureOut">
               <a:rPr lang="en-IN" smtClean="0"/>
-              <a:t>23-02-2018</a:t>
+              <a:t>03-03-2018</a:t>
             </a:fld>
             <a:endParaRPr lang="en-IN"/>
           </a:p>
@@ -5623,7 +5825,7 @@
           <a:p>
             <a:fld id="{6FE5F4D2-733A-4815-B25A-FD390565D778}" type="datetimeFigureOut">
               <a:rPr lang="en-IN" smtClean="0"/>
-              <a:t>23-02-2018</a:t>
+              <a:t>03-03-2018</a:t>
             </a:fld>
             <a:endParaRPr lang="en-IN"/>
           </a:p>
@@ -5899,7 +6101,7 @@
           <a:p>
             <a:fld id="{6FE5F4D2-733A-4815-B25A-FD390565D778}" type="datetimeFigureOut">
               <a:rPr lang="en-IN" smtClean="0"/>
-              <a:t>23-02-2018</a:t>
+              <a:t>03-03-2018</a:t>
             </a:fld>
             <a:endParaRPr lang="en-IN"/>
           </a:p>
@@ -6167,7 +6369,7 @@
           <a:p>
             <a:fld id="{6FE5F4D2-733A-4815-B25A-FD390565D778}" type="datetimeFigureOut">
               <a:rPr lang="en-IN" smtClean="0"/>
-              <a:t>23-02-2018</a:t>
+              <a:t>03-03-2018</a:t>
             </a:fld>
             <a:endParaRPr lang="en-IN"/>
           </a:p>
@@ -6582,7 +6784,7 @@
           <a:p>
             <a:fld id="{6FE5F4D2-733A-4815-B25A-FD390565D778}" type="datetimeFigureOut">
               <a:rPr lang="en-IN" smtClean="0"/>
-              <a:t>23-02-2018</a:t>
+              <a:t>03-03-2018</a:t>
             </a:fld>
             <a:endParaRPr lang="en-IN"/>
           </a:p>
@@ -6724,7 +6926,7 @@
           <a:p>
             <a:fld id="{6FE5F4D2-733A-4815-B25A-FD390565D778}" type="datetimeFigureOut">
               <a:rPr lang="en-IN" smtClean="0"/>
-              <a:t>23-02-2018</a:t>
+              <a:t>03-03-2018</a:t>
             </a:fld>
             <a:endParaRPr lang="en-IN"/>
           </a:p>
@@ -6837,7 +7039,7 @@
           <a:p>
             <a:fld id="{6FE5F4D2-733A-4815-B25A-FD390565D778}" type="datetimeFigureOut">
               <a:rPr lang="en-IN" smtClean="0"/>
-              <a:t>23-02-2018</a:t>
+              <a:t>03-03-2018</a:t>
             </a:fld>
             <a:endParaRPr lang="en-IN"/>
           </a:p>
@@ -7150,7 +7352,7 @@
           <a:p>
             <a:fld id="{6FE5F4D2-733A-4815-B25A-FD390565D778}" type="datetimeFigureOut">
               <a:rPr lang="en-IN" smtClean="0"/>
-              <a:t>23-02-2018</a:t>
+              <a:t>03-03-2018</a:t>
             </a:fld>
             <a:endParaRPr lang="en-IN"/>
           </a:p>
@@ -7439,7 +7641,7 @@
           <a:p>
             <a:fld id="{6FE5F4D2-733A-4815-B25A-FD390565D778}" type="datetimeFigureOut">
               <a:rPr lang="en-IN" smtClean="0"/>
-              <a:t>23-02-2018</a:t>
+              <a:t>03-03-2018</a:t>
             </a:fld>
             <a:endParaRPr lang="en-IN"/>
           </a:p>
@@ -7682,7 +7884,7 @@
           <a:p>
             <a:fld id="{6FE5F4D2-733A-4815-B25A-FD390565D778}" type="datetimeFigureOut">
               <a:rPr lang="en-IN" smtClean="0"/>
-              <a:t>23-02-2018</a:t>
+              <a:t>03-03-2018</a:t>
             </a:fld>
             <a:endParaRPr lang="en-IN"/>
           </a:p>
@@ -8221,7 +8423,15 @@
           <a:p>
             <a:r>
               <a:rPr lang="en-IN" sz="1800" dirty="0"/>
-              <a:t>There should be less(&lt;2) or no competition in that product from other sellers</a:t>
+              <a:t>There should be less</a:t>
+            </a:r>
+            <a:r>
+              <a:rPr lang="en-IN" sz="1800" dirty="0" smtClean="0"/>
+              <a:t>(&lt;10) </a:t>
+            </a:r>
+            <a:r>
+              <a:rPr lang="en-IN" sz="1800" dirty="0"/>
+              <a:t>or no competition in that product from other sellers</a:t>
             </a:r>
           </a:p>
           <a:p>
@@ -8232,26 +8442,32 @@
           </a:p>
           <a:p>
             <a:r>
-              <a:rPr lang="en-IN" sz="1800" dirty="0"/>
-              <a:t>Use keyword search count to check the demand for the product</a:t>
+              <a:rPr lang="en-IN" sz="1800" dirty="0" smtClean="0"/>
+              <a:t>Selling </a:t>
             </a:r>
-          </a:p>
-          <a:p>
             <a:r>
               <a:rPr lang="en-IN" sz="1800" dirty="0"/>
-              <a:t>Selling price of the product must be less than 1200 rupees</a:t>
+              <a:t>price of the product must be less than 1200 rupees</a:t>
             </a:r>
           </a:p>
           <a:p>
             <a:r>
               <a:rPr lang="en-IN" sz="1800" dirty="0"/>
-              <a:t>Probable profit margin must be at least 100%</a:t>
+              <a:t>Probable profit margin must be at least 100</a:t>
             </a:r>
-          </a:p>
-          <a:p>
+            <a:r>
+              <a:rPr lang="en-IN" sz="1800" dirty="0" smtClean="0"/>
+              <a:t>% . Must always aim for 200-300%</a:t>
+            </a:r>
+          </a:p>
+          <a:p>
+            <a:r>
+              <a:rPr lang="en-IN" sz="1800" dirty="0" smtClean="0"/>
+              <a:t>Must </a:t>
+            </a:r>
             <a:r>
               <a:rPr lang="en-IN" sz="1800" dirty="0"/>
-              <a:t>Must have a scope for expansion with various product lines which can be planned in future</a:t>
+              <a:t>have a scope for expansion with various product lines which can be planned in future</a:t>
             </a:r>
           </a:p>
           <a:p>
@@ -8328,7 +8544,11 @@
           <a:bodyPr/>
           <a:lstStyle/>
           <a:p>
-            <a:endParaRPr lang="en-IN"/>
+            <a:r>
+              <a:rPr lang="en-IN" dirty="0"/>
+              <a:t>Research Guidelines</a:t>
+            </a:r>
+            <a:endParaRPr lang="en-IN" dirty="0"/>
           </a:p>
         </p:txBody>
       </p:sp>
@@ -8350,10 +8570,74 @@
         </p:nvSpPr>
         <p:spPr/>
         <p:txBody>
-          <a:bodyPr/>
+          <a:bodyPr>
+            <a:normAutofit fontScale="77500" lnSpcReduction="20000"/>
+          </a:bodyPr>
           <a:lstStyle/>
           <a:p>
-            <a:endParaRPr lang="en-IN"/>
+            <a:r>
+              <a:rPr lang="en-IN" dirty="0" smtClean="0"/>
+              <a:t>Always check historical data on Jungle scout</a:t>
+            </a:r>
+          </a:p>
+          <a:p>
+            <a:r>
+              <a:rPr lang="en-IN" dirty="0" smtClean="0"/>
+              <a:t>Also check for best price on 1688.com which is the Chinese version of Alibaba. Check for lowest price for Alibaba there</a:t>
+            </a:r>
+          </a:p>
+          <a:p>
+            <a:r>
+              <a:rPr lang="en-IN" dirty="0" smtClean="0"/>
+              <a:t>Product weight should be less than 1 Kg</a:t>
+            </a:r>
+          </a:p>
+          <a:p>
+            <a:r>
+              <a:rPr lang="en-IN" dirty="0" smtClean="0"/>
+              <a:t>Before you finalize on product go through at least 800 products</a:t>
+            </a:r>
+          </a:p>
+          <a:p>
+            <a:r>
+              <a:rPr lang="en-IN" dirty="0" smtClean="0"/>
+              <a:t>If more than 5 guys have product reviews more than 60 then it is a negative for the product</a:t>
+            </a:r>
+          </a:p>
+          <a:p>
+            <a:r>
+              <a:rPr lang="en-IN" dirty="0" smtClean="0"/>
+              <a:t> Use </a:t>
+            </a:r>
+            <a:r>
+              <a:rPr lang="en-IN" dirty="0" err="1" smtClean="0"/>
+              <a:t>Keepa</a:t>
+            </a:r>
+            <a:r>
+              <a:rPr lang="en-IN" dirty="0" smtClean="0"/>
+              <a:t> to check product details</a:t>
+            </a:r>
+          </a:p>
+          <a:p>
+            <a:r>
+              <a:rPr lang="en-IN" dirty="0" smtClean="0"/>
+              <a:t>Cross check jungle scout web app data against chrome extension data for sales details</a:t>
+            </a:r>
+          </a:p>
+          <a:p>
+            <a:r>
+              <a:rPr lang="en-IN" dirty="0" smtClean="0"/>
+              <a:t>Track product for 7 days for 20 products using 999 technique</a:t>
+            </a:r>
+          </a:p>
+          <a:p>
+            <a:r>
+              <a:rPr lang="en-IN" dirty="0" smtClean="0"/>
+              <a:t>You can use keyword planner and google trends to check the buying patterns - recommended</a:t>
+            </a:r>
+          </a:p>
+          <a:p>
+            <a:endParaRPr lang="en-IN" dirty="0"/>
           </a:p>
         </p:txBody>
       </p:sp>
